--- a/chapter3/ppt/ppt-chapter3.pptx
+++ b/chapter3/ppt/ppt-chapter3.pptx
@@ -36,6 +36,7 @@
     <p:sldId id="286" r:id="rId30"/>
     <p:sldId id="287" r:id="rId31"/>
     <p:sldId id="291" r:id="rId32"/>
+    <p:sldId id="292" r:id="rId33"/>
   </p:sldIdLst>
   <p:sldSz cx="12192000" cy="6858000"/>
   <p:notesSz cx="6858000" cy="9144000"/>
@@ -170,6 +171,7 @@
             <p14:sldId id="286"/>
             <p14:sldId id="287"/>
             <p14:sldId id="291"/>
+            <p14:sldId id="292"/>
           </p14:sldIdLst>
         </p14:section>
       </p14:sectionLst>
@@ -364,7 +366,7 @@
           <a:p>
             <a:fld id="{48A87A34-81AB-432B-8DAE-1953F412C126}" type="datetimeFigureOut">
               <a:rPr lang="en-US" dirty="0"/>
-              <a:t>4/28/2019</a:t>
+              <a:t>4/29/2019</a:t>
             </a:fld>
             <a:endParaRPr lang="en-US" dirty="0"/>
           </a:p>
@@ -671,7 +673,7 @@
           <a:p>
             <a:fld id="{48A87A34-81AB-432B-8DAE-1953F412C126}" type="datetimeFigureOut">
               <a:rPr lang="en-US" dirty="0"/>
-              <a:t>4/28/2019</a:t>
+              <a:t>4/29/2019</a:t>
             </a:fld>
             <a:endParaRPr lang="en-US" dirty="0"/>
           </a:p>
@@ -888,7 +890,7 @@
           <a:p>
             <a:fld id="{48A87A34-81AB-432B-8DAE-1953F412C126}" type="datetimeFigureOut">
               <a:rPr lang="en-US" dirty="0"/>
-              <a:t>4/28/2019</a:t>
+              <a:t>4/29/2019</a:t>
             </a:fld>
             <a:endParaRPr lang="en-US" dirty="0"/>
           </a:p>
@@ -1174,7 +1176,7 @@
           <a:p>
             <a:fld id="{48A87A34-81AB-432B-8DAE-1953F412C126}" type="datetimeFigureOut">
               <a:rPr lang="en-US" dirty="0"/>
-              <a:t>4/28/2019</a:t>
+              <a:t>4/29/2019</a:t>
             </a:fld>
             <a:endParaRPr lang="en-US" dirty="0"/>
           </a:p>
@@ -1623,7 +1625,7 @@
           <a:p>
             <a:fld id="{48A87A34-81AB-432B-8DAE-1953F412C126}" type="datetimeFigureOut">
               <a:rPr lang="en-US" dirty="0"/>
-              <a:t>4/28/2019</a:t>
+              <a:t>4/29/2019</a:t>
             </a:fld>
             <a:endParaRPr lang="en-US" dirty="0"/>
           </a:p>
@@ -2194,7 +2196,7 @@
           <a:p>
             <a:fld id="{48A87A34-81AB-432B-8DAE-1953F412C126}" type="datetimeFigureOut">
               <a:rPr lang="en-US" dirty="0"/>
-              <a:t>4/28/2019</a:t>
+              <a:t>4/29/2019</a:t>
             </a:fld>
             <a:endParaRPr lang="en-US" dirty="0"/>
           </a:p>
@@ -3041,7 +3043,7 @@
           <a:p>
             <a:fld id="{48A87A34-81AB-432B-8DAE-1953F412C126}" type="datetimeFigureOut">
               <a:rPr lang="en-US" dirty="0"/>
-              <a:t>4/28/2019</a:t>
+              <a:t>4/29/2019</a:t>
             </a:fld>
             <a:endParaRPr lang="en-US" dirty="0"/>
           </a:p>
@@ -3241,7 +3243,7 @@
           <a:p>
             <a:fld id="{48A87A34-81AB-432B-8DAE-1953F412C126}" type="datetimeFigureOut">
               <a:rPr lang="en-US" dirty="0"/>
-              <a:t>4/28/2019</a:t>
+              <a:t>4/29/2019</a:t>
             </a:fld>
             <a:endParaRPr lang="en-US" dirty="0"/>
           </a:p>
@@ -3450,7 +3452,7 @@
           <a:p>
             <a:fld id="{48A87A34-81AB-432B-8DAE-1953F412C126}" type="datetimeFigureOut">
               <a:rPr lang="en-US" dirty="0"/>
-              <a:t>4/28/2019</a:t>
+              <a:t>4/29/2019</a:t>
             </a:fld>
             <a:endParaRPr lang="en-US" dirty="0"/>
           </a:p>
@@ -3650,7 +3652,7 @@
           <a:p>
             <a:fld id="{48A87A34-81AB-432B-8DAE-1953F412C126}" type="datetimeFigureOut">
               <a:rPr lang="en-US" dirty="0"/>
-              <a:t>4/28/2019</a:t>
+              <a:t>4/29/2019</a:t>
             </a:fld>
             <a:endParaRPr lang="en-US" dirty="0"/>
           </a:p>
@@ -3925,7 +3927,7 @@
           <a:p>
             <a:fld id="{48A87A34-81AB-432B-8DAE-1953F412C126}" type="datetimeFigureOut">
               <a:rPr lang="en-US" dirty="0"/>
-              <a:t>4/28/2019</a:t>
+              <a:t>4/29/2019</a:t>
             </a:fld>
             <a:endParaRPr lang="en-US" dirty="0"/>
           </a:p>
@@ -4187,7 +4189,7 @@
           <a:p>
             <a:fld id="{48A87A34-81AB-432B-8DAE-1953F412C126}" type="datetimeFigureOut">
               <a:rPr lang="en-US" dirty="0"/>
-              <a:t>4/28/2019</a:t>
+              <a:t>4/29/2019</a:t>
             </a:fld>
             <a:endParaRPr lang="en-US" dirty="0"/>
           </a:p>
@@ -4597,7 +4599,7 @@
           <a:p>
             <a:fld id="{48A87A34-81AB-432B-8DAE-1953F412C126}" type="datetimeFigureOut">
               <a:rPr lang="en-US" dirty="0"/>
-              <a:t>4/28/2019</a:t>
+              <a:t>4/29/2019</a:t>
             </a:fld>
             <a:endParaRPr lang="en-US" dirty="0"/>
           </a:p>
@@ -4740,7 +4742,7 @@
           <a:p>
             <a:fld id="{48A87A34-81AB-432B-8DAE-1953F412C126}" type="datetimeFigureOut">
               <a:rPr lang="en-US" dirty="0"/>
-              <a:t>4/28/2019</a:t>
+              <a:t>4/29/2019</a:t>
             </a:fld>
             <a:endParaRPr lang="en-US" dirty="0"/>
           </a:p>
@@ -4860,7 +4862,7 @@
           <a:p>
             <a:fld id="{48A87A34-81AB-432B-8DAE-1953F412C126}" type="datetimeFigureOut">
               <a:rPr lang="en-US" dirty="0"/>
-              <a:t>4/28/2019</a:t>
+              <a:t>4/29/2019</a:t>
             </a:fld>
             <a:endParaRPr lang="en-US" dirty="0"/>
           </a:p>
@@ -5134,7 +5136,7 @@
           <a:p>
             <a:fld id="{48A87A34-81AB-432B-8DAE-1953F412C126}" type="datetimeFigureOut">
               <a:rPr lang="en-US" dirty="0"/>
-              <a:t>4/28/2019</a:t>
+              <a:t>4/29/2019</a:t>
             </a:fld>
             <a:endParaRPr lang="en-US" dirty="0"/>
           </a:p>
@@ -5441,7 +5443,7 @@
           <a:p>
             <a:fld id="{48A87A34-81AB-432B-8DAE-1953F412C126}" type="datetimeFigureOut">
               <a:rPr lang="en-US" dirty="0"/>
-              <a:t>4/28/2019</a:t>
+              <a:t>4/29/2019</a:t>
             </a:fld>
             <a:endParaRPr lang="en-US" dirty="0"/>
           </a:p>
@@ -5690,7 +5692,7 @@
             <a:fld id="{48A87A34-81AB-432B-8DAE-1953F412C126}" type="datetimeFigureOut">
               <a:rPr lang="en-US" dirty="0"/>
               <a:pPr/>
-              <a:t>4/28/2019</a:t>
+              <a:t>4/29/2019</a:t>
             </a:fld>
             <a:endParaRPr lang="en-US" dirty="0"/>
           </a:p>
@@ -6168,17 +6170,25 @@
             <p:ph type="subTitle" idx="1"/>
           </p:nvPr>
         </p:nvSpPr>
-        <p:spPr/>
+        <p:spPr>
+          <a:xfrm>
+            <a:off x="1751012" y="3886200"/>
+            <a:ext cx="8689976" cy="1371599"/>
+          </a:xfrm>
+        </p:spPr>
         <p:txBody>
           <a:bodyPr/>
           <a:lstStyle/>
           <a:p>
-            <a:pPr algn="l"/>
-            <a:r>
-              <a:rPr lang="zh-CN" altLang="en-US" dirty="0" smtClean="0"/>
-              <a:t>小组成员：</a:t>
-            </a:r>
-            <a:endParaRPr lang="zh-CN" altLang="en-US" dirty="0"/>
+            <a:r>
+              <a:rPr lang="zh-CN" altLang="en-US" b="1" dirty="0" smtClean="0"/>
+              <a:t>小组成员</a:t>
+            </a:r>
+            <a:r>
+              <a:rPr lang="zh-CN" altLang="en-US" b="1" dirty="0" smtClean="0"/>
+              <a:t>：杨越、杨剑南、张昊、张嘉琦、钟垠洁、张圳</a:t>
+            </a:r>
+            <a:endParaRPr lang="zh-CN" altLang="en-US" b="1" dirty="0"/>
           </a:p>
         </p:txBody>
       </p:sp>
@@ -10524,13 +10534,13 @@
       </p:grpSpPr>
       <p:sp>
         <p:nvSpPr>
-          <p:cNvPr id="3" name="文本框 2"/>
+          <p:cNvPr id="4" name="文本框 3"/>
           <p:cNvSpPr txBox="1"/>
           <p:nvPr/>
         </p:nvSpPr>
         <p:spPr>
           <a:xfrm>
-            <a:off x="6579330" y="679257"/>
+            <a:off x="6579330" y="2164069"/>
             <a:ext cx="3709852" cy="523220"/>
           </a:xfrm>
           <a:prstGeom prst="rect">
@@ -10559,10 +10569,10 @@
           <a:p>
             <a:pPr algn="ctr"/>
             <a:r>
-              <a:rPr lang="en-US" altLang="zh-CN" sz="2800" dirty="0" smtClean="0">
+              <a:rPr lang="zh-CN" altLang="en-US" sz="2800" dirty="0" smtClean="0">
                 <a:latin typeface="+mn-ea"/>
               </a:rPr>
-              <a:t>……</a:t>
+              <a:t>设计思路</a:t>
             </a:r>
             <a:endParaRPr lang="zh-CN" altLang="en-US" sz="2800" dirty="0">
               <a:latin typeface="+mn-ea"/>
@@ -10572,13 +10582,13 @@
       </p:sp>
       <p:sp>
         <p:nvSpPr>
-          <p:cNvPr id="4" name="文本框 3"/>
+          <p:cNvPr id="5" name="文本框 4"/>
           <p:cNvSpPr txBox="1"/>
           <p:nvPr/>
         </p:nvSpPr>
         <p:spPr>
           <a:xfrm>
-            <a:off x="6579330" y="2164069"/>
+            <a:off x="6579330" y="3648881"/>
             <a:ext cx="3709852" cy="523220"/>
           </a:xfrm>
           <a:prstGeom prst="rect">
@@ -10610,103 +10620,7 @@
               <a:rPr lang="zh-CN" altLang="en-US" sz="2800" dirty="0" smtClean="0">
                 <a:latin typeface="+mn-ea"/>
               </a:rPr>
-              <a:t>设计思路</a:t>
-            </a:r>
-            <a:endParaRPr lang="zh-CN" altLang="en-US" sz="2800" dirty="0">
-              <a:latin typeface="+mn-ea"/>
-            </a:endParaRPr>
-          </a:p>
-        </p:txBody>
-      </p:sp>
-      <p:sp>
-        <p:nvSpPr>
-          <p:cNvPr id="5" name="文本框 4"/>
-          <p:cNvSpPr txBox="1"/>
-          <p:nvPr/>
-        </p:nvSpPr>
-        <p:spPr>
-          <a:xfrm>
-            <a:off x="6579330" y="3648881"/>
-            <a:ext cx="3709852" cy="523220"/>
-          </a:xfrm>
-          <a:prstGeom prst="rect">
-            <a:avLst/>
-          </a:prstGeom>
-        </p:spPr>
-        <p:style>
-          <a:lnRef idx="0">
-            <a:schemeClr val="accent2"/>
-          </a:lnRef>
-          <a:fillRef idx="3">
-            <a:schemeClr val="accent2"/>
-          </a:fillRef>
-          <a:effectRef idx="3">
-            <a:schemeClr val="accent2"/>
-          </a:effectRef>
-          <a:fontRef idx="minor">
-            <a:schemeClr val="lt1"/>
-          </a:fontRef>
-        </p:style>
-        <p:txBody>
-          <a:bodyPr wrap="square" rtlCol="0">
-            <a:spAutoFit/>
-          </a:bodyPr>
-          <a:lstStyle/>
-          <a:p>
-            <a:pPr algn="ctr"/>
-            <a:r>
-              <a:rPr lang="zh-CN" altLang="en-US" sz="2800" dirty="0" smtClean="0">
-                <a:latin typeface="+mn-ea"/>
-              </a:rPr>
               <a:t>运行演示</a:t>
-            </a:r>
-            <a:endParaRPr lang="zh-CN" altLang="en-US" sz="2800" dirty="0">
-              <a:latin typeface="+mn-ea"/>
-            </a:endParaRPr>
-          </a:p>
-        </p:txBody>
-      </p:sp>
-      <p:sp>
-        <p:nvSpPr>
-          <p:cNvPr id="6" name="文本框 5"/>
-          <p:cNvSpPr txBox="1"/>
-          <p:nvPr/>
-        </p:nvSpPr>
-        <p:spPr>
-          <a:xfrm>
-            <a:off x="6579330" y="5133693"/>
-            <a:ext cx="3709852" cy="523220"/>
-          </a:xfrm>
-          <a:prstGeom prst="rect">
-            <a:avLst/>
-          </a:prstGeom>
-        </p:spPr>
-        <p:style>
-          <a:lnRef idx="0">
-            <a:schemeClr val="accent2"/>
-          </a:lnRef>
-          <a:fillRef idx="3">
-            <a:schemeClr val="accent2"/>
-          </a:fillRef>
-          <a:effectRef idx="3">
-            <a:schemeClr val="accent2"/>
-          </a:effectRef>
-          <a:fontRef idx="minor">
-            <a:schemeClr val="lt1"/>
-          </a:fontRef>
-        </p:style>
-        <p:txBody>
-          <a:bodyPr wrap="square" rtlCol="0">
-            <a:spAutoFit/>
-          </a:bodyPr>
-          <a:lstStyle/>
-          <a:p>
-            <a:pPr algn="ctr"/>
-            <a:r>
-              <a:rPr lang="en-US" altLang="zh-CN" sz="2800" dirty="0" smtClean="0">
-                <a:latin typeface="+mn-ea"/>
-              </a:rPr>
-              <a:t>……</a:t>
             </a:r>
             <a:endParaRPr lang="zh-CN" altLang="en-US" sz="2800" dirty="0">
               <a:latin typeface="+mn-ea"/>
@@ -10963,42 +10877,6 @@
           </a:p>
         </p:txBody>
       </p:sp>
-      <p:cxnSp>
-        <p:nvCxnSpPr>
-          <p:cNvPr id="14" name="直接箭头连接符 13"/>
-          <p:cNvCxnSpPr>
-            <a:stCxn id="11" idx="3"/>
-            <a:endCxn id="3" idx="1"/>
-          </p:cNvCxnSpPr>
-          <p:nvPr/>
-        </p:nvCxnSpPr>
-        <p:spPr>
-          <a:xfrm flipV="1">
-            <a:off x="5934887" y="940867"/>
-            <a:ext cx="644443" cy="2718277"/>
-          </a:xfrm>
-          <a:prstGeom prst="straightConnector1">
-            <a:avLst/>
-          </a:prstGeom>
-          <a:ln>
-            <a:tailEnd type="triangle"/>
-          </a:ln>
-        </p:spPr>
-        <p:style>
-          <a:lnRef idx="1">
-            <a:schemeClr val="accent1"/>
-          </a:lnRef>
-          <a:fillRef idx="0">
-            <a:schemeClr val="accent1"/>
-          </a:fillRef>
-          <a:effectRef idx="0">
-            <a:schemeClr val="accent1"/>
-          </a:effectRef>
-          <a:fontRef idx="minor">
-            <a:schemeClr val="tx1"/>
-          </a:fontRef>
-        </p:style>
-      </p:cxnSp>
       <p:cxnSp>
         <p:nvCxnSpPr>
           <p:cNvPr id="16" name="直接箭头连接符 15"/>
@@ -11047,41 +10925,6 @@
           <a:xfrm>
             <a:off x="5934887" y="3659144"/>
             <a:ext cx="544290" cy="377021"/>
-          </a:xfrm>
-          <a:prstGeom prst="straightConnector1">
-            <a:avLst/>
-          </a:prstGeom>
-          <a:ln>
-            <a:tailEnd type="triangle"/>
-          </a:ln>
-        </p:spPr>
-        <p:style>
-          <a:lnRef idx="1">
-            <a:schemeClr val="accent1"/>
-          </a:lnRef>
-          <a:fillRef idx="0">
-            <a:schemeClr val="accent1"/>
-          </a:fillRef>
-          <a:effectRef idx="0">
-            <a:schemeClr val="accent1"/>
-          </a:effectRef>
-          <a:fontRef idx="minor">
-            <a:schemeClr val="tx1"/>
-          </a:fontRef>
-        </p:style>
-      </p:cxnSp>
-      <p:cxnSp>
-        <p:nvCxnSpPr>
-          <p:cNvPr id="21" name="直接箭头连接符 20"/>
-          <p:cNvCxnSpPr>
-            <a:stCxn id="11" idx="3"/>
-          </p:cNvCxnSpPr>
-          <p:nvPr/>
-        </p:nvCxnSpPr>
-        <p:spPr>
-          <a:xfrm>
-            <a:off x="5934887" y="3659144"/>
-            <a:ext cx="644443" cy="1997769"/>
           </a:xfrm>
           <a:prstGeom prst="straightConnector1">
             <a:avLst/>
@@ -15051,11 +14894,7 @@
             <a:pPr algn="ctr"/>
             <a:r>
               <a:rPr lang="zh-CN" altLang="en-US" sz="4800" dirty="0" smtClean="0"/>
-              <a:t>运行</a:t>
-            </a:r>
-            <a:r>
-              <a:rPr lang="zh-CN" altLang="en-US" sz="4800" dirty="0" smtClean="0"/>
-              <a:t>结果</a:t>
+              <a:t>运行结果</a:t>
             </a:r>
             <a:endParaRPr lang="zh-CN" altLang="en-US" sz="4800" dirty="0"/>
           </a:p>
@@ -16450,7 +16289,7 @@
                 <a:latin typeface="仿宋" panose="02010609060101010101" pitchFamily="49" charset="-122"/>
                 <a:ea typeface="仿宋" panose="02010609060101010101" pitchFamily="49" charset="-122"/>
               </a:rPr>
-              <a:t>，对于数据链路层有了更深一步的理解。</a:t>
+              <a:t>，对于数据链路层相关原理有了更深一步的理解。</a:t>
             </a:r>
             <a:endParaRPr lang="zh-CN" altLang="zh-CN" sz="2400" b="1" dirty="0">
               <a:latin typeface="仿宋" panose="02010609060101010101" pitchFamily="49" charset="-122"/>
@@ -16463,6 +16302,129 @@
     <p:extLst>
       <p:ext uri="{BB962C8B-B14F-4D97-AF65-F5344CB8AC3E}">
         <p14:creationId xmlns:p14="http://schemas.microsoft.com/office/powerpoint/2010/main" val="2751403789"/>
+      </p:ext>
+    </p:extLst>
+  </p:cSld>
+  <p:clrMapOvr>
+    <a:masterClrMapping/>
+  </p:clrMapOvr>
+  <p:timing>
+    <p:tnLst>
+      <p:par>
+        <p:cTn id="1" dur="indefinite" restart="never" nodeType="tmRoot"/>
+      </p:par>
+    </p:tnLst>
+  </p:timing>
+</p:sld>
+</file>
+
+<file path=ppt/slides/slide32.xml><?xml version="1.0" encoding="utf-8"?>
+<p:sld xmlns:a="http://schemas.openxmlformats.org/drawingml/2006/main" xmlns:r="http://schemas.openxmlformats.org/officeDocument/2006/relationships" xmlns:p="http://schemas.openxmlformats.org/presentationml/2006/main">
+  <p:cSld>
+    <p:spTree>
+      <p:nvGrpSpPr>
+        <p:cNvPr id="1" name=""/>
+        <p:cNvGrpSpPr/>
+        <p:nvPr/>
+      </p:nvGrpSpPr>
+      <p:grpSpPr>
+        <a:xfrm>
+          <a:off x="0" y="0"/>
+          <a:ext cx="0" cy="0"/>
+          <a:chOff x="0" y="0"/>
+          <a:chExt cx="0" cy="0"/>
+        </a:xfrm>
+      </p:grpSpPr>
+      <p:sp>
+        <p:nvSpPr>
+          <p:cNvPr id="3" name="矩形 2"/>
+          <p:cNvSpPr/>
+          <p:nvPr/>
+        </p:nvSpPr>
+        <p:spPr>
+          <a:xfrm>
+            <a:off x="4612263" y="2967335"/>
+            <a:ext cx="2967479" cy="923330"/>
+          </a:xfrm>
+          <a:prstGeom prst="rect">
+            <a:avLst/>
+          </a:prstGeom>
+          <a:noFill/>
+        </p:spPr>
+        <p:txBody>
+          <a:bodyPr wrap="none" lIns="91440" tIns="45720" rIns="91440" bIns="45720">
+            <a:spAutoFit/>
+          </a:bodyPr>
+          <a:lstStyle/>
+          <a:p>
+            <a:pPr algn="ctr"/>
+            <a:r>
+              <a:rPr lang="zh-CN" altLang="en-US" sz="5400" b="1" dirty="0" smtClean="0">
+                <a:ln w="12700" cmpd="sng">
+                  <a:solidFill>
+                    <a:schemeClr val="accent4"/>
+                  </a:solidFill>
+                  <a:prstDash val="solid"/>
+                </a:ln>
+                <a:gradFill>
+                  <a:gsLst>
+                    <a:gs pos="0">
+                      <a:schemeClr val="accent4"/>
+                    </a:gs>
+                    <a:gs pos="4000">
+                      <a:schemeClr val="accent4">
+                        <a:lumMod val="60000"/>
+                        <a:lumOff val="40000"/>
+                      </a:schemeClr>
+                    </a:gs>
+                    <a:gs pos="87000">
+                      <a:schemeClr val="accent4">
+                        <a:lumMod val="20000"/>
+                        <a:lumOff val="80000"/>
+                      </a:schemeClr>
+                    </a:gs>
+                  </a:gsLst>
+                  <a:lin ang="5400000"/>
+                </a:gradFill>
+              </a:rPr>
+              <a:t>谢谢观看</a:t>
+            </a:r>
+            <a:endParaRPr lang="zh-CN" altLang="en-US" sz="5400" b="1" cap="none" spc="0" dirty="0">
+              <a:ln w="12700" cmpd="sng">
+                <a:solidFill>
+                  <a:schemeClr val="accent4"/>
+                </a:solidFill>
+                <a:prstDash val="solid"/>
+              </a:ln>
+              <a:gradFill>
+                <a:gsLst>
+                  <a:gs pos="0">
+                    <a:schemeClr val="accent4"/>
+                  </a:gs>
+                  <a:gs pos="4000">
+                    <a:schemeClr val="accent4">
+                      <a:lumMod val="60000"/>
+                      <a:lumOff val="40000"/>
+                    </a:schemeClr>
+                  </a:gs>
+                  <a:gs pos="87000">
+                    <a:schemeClr val="accent4">
+                      <a:lumMod val="20000"/>
+                      <a:lumOff val="80000"/>
+                    </a:schemeClr>
+                  </a:gs>
+                </a:gsLst>
+                <a:lin ang="5400000"/>
+              </a:gradFill>
+              <a:effectLst/>
+            </a:endParaRPr>
+          </a:p>
+        </p:txBody>
+      </p:sp>
+    </p:spTree>
+    <p:extLst>
+      <p:ext uri="{BB962C8B-B14F-4D97-AF65-F5344CB8AC3E}">
+        <p14:creationId xmlns:p14="http://schemas.microsoft.com/office/powerpoint/2010/main" val="1042591919"/>
       </p:ext>
     </p:extLst>
   </p:cSld>
